--- a/docs/slides/wk02-2024-01-18.pptx
+++ b/docs/slides/wk02-2024-01-18.pptx
@@ -4071,10 +4071,10 @@
                 <a:tableStyleId>{5C22544A-7EE6-4342-B048-85BDC9FD1C3A}</a:tableStyleId>
               </a:tblPr>
               <a:tblGrid>
-                <a:gridCol w="2057400"/>
-                <a:gridCol w="2057400"/>
-                <a:gridCol w="2057400"/>
-                <a:gridCol w="2057400"/>
+                <a:gridCol w="1752600"/>
+                <a:gridCol w="2413000"/>
+                <a:gridCol w="2197100"/>
+                <a:gridCol w="1866900"/>
               </a:tblGrid>
               <a:tr h="0">
                 <a:tc>
@@ -4391,10 +4391,10 @@
                 <a:tableStyleId>{5C22544A-7EE6-4342-B048-85BDC9FD1C3A}</a:tableStyleId>
               </a:tblPr>
               <a:tblGrid>
-                <a:gridCol w="2057400"/>
-                <a:gridCol w="2057400"/>
-                <a:gridCol w="2057400"/>
-                <a:gridCol w="2057400"/>
+                <a:gridCol w="1752600"/>
+                <a:gridCol w="2413000"/>
+                <a:gridCol w="2197100"/>
+                <a:gridCol w="1866900"/>
               </a:tblGrid>
               <a:tr h="0">
                 <a:tc>
@@ -4609,10 +4609,10 @@
                 <a:tableStyleId>{5C22544A-7EE6-4342-B048-85BDC9FD1C3A}</a:tableStyleId>
               </a:tblPr>
               <a:tblGrid>
-                <a:gridCol w="2057400"/>
-                <a:gridCol w="2057400"/>
-                <a:gridCol w="2057400"/>
-                <a:gridCol w="2057400"/>
+                <a:gridCol w="1752600"/>
+                <a:gridCol w="2413000"/>
+                <a:gridCol w="2197100"/>
+                <a:gridCol w="1866900"/>
               </a:tblGrid>
               <a:tr h="0">
                 <a:tc>
@@ -4789,10 +4789,10 @@
                 <a:tableStyleId>{5C22544A-7EE6-4342-B048-85BDC9FD1C3A}</a:tableStyleId>
               </a:tblPr>
               <a:tblGrid>
-                <a:gridCol w="2057400"/>
-                <a:gridCol w="2057400"/>
-                <a:gridCol w="2057400"/>
-                <a:gridCol w="2057400"/>
+                <a:gridCol w="1752600"/>
+                <a:gridCol w="2413000"/>
+                <a:gridCol w="2197100"/>
+                <a:gridCol w="1866900"/>
               </a:tblGrid>
               <a:tr h="0">
                 <a:tc>
@@ -5006,12 +5006,12 @@
       </p:grpSpPr>
       <p:sp>
         <p:nvSpPr>
-          <p:cNvPr id="3" name="Content Placeholder 2"/>
-          <p:cNvSpPr>
-            <a:spLocks noGrp="1"/>
-          </p:cNvSpPr>
-          <p:nvPr>
-            <p:ph idx="1"/>
+          <p:cNvPr id="4" name="Text Placeholder 3"/>
+          <p:cNvSpPr>
+            <a:spLocks noGrp="1"/>
+          </p:cNvSpPr>
+          <p:nvPr>
+            <p:ph idx="2" sz="half" type="body"/>
           </p:nvPr>
         </p:nvSpPr>
         <p:spPr/>
@@ -5045,8 +5045,8 @@
         </p:blipFill>
         <p:spPr bwMode="auto">
           <a:xfrm>
-            <a:off x="2616200" y="1193800"/>
-            <a:ext cx="3911600" cy="2882900"/>
+            <a:off x="3568700" y="254000"/>
+            <a:ext cx="5105400" cy="3759200"/>
           </a:xfrm>
           <a:prstGeom prst="rect">
             <a:avLst/>
@@ -5067,8 +5067,8 @@
         </p:nvSpPr>
         <p:spPr>
           <a:xfrm>
-            <a:off x="457200" y="4076700"/>
-            <a:ext cx="8229600" cy="508000"/>
+            <a:off x="3568700" y="4076700"/>
+            <a:ext cx="5105400" cy="508000"/>
           </a:xfrm>
           <a:prstGeom prst="rect">
             <a:avLst/>
@@ -5121,7 +5121,12 @@
             <p:ph type="title"/>
           </p:nvPr>
         </p:nvSpPr>
-        <p:spPr/>
+        <p:spPr>
+          <a:xfrm>
+            <a:off x="457201" y="204787"/>
+            <a:ext cx="3008313" cy="871538"/>
+          </a:xfrm>
+        </p:spPr>
         <p:txBody>
           <a:bodyPr/>
           <a:lstStyle/>
@@ -5138,12 +5143,12 @@
       </p:sp>
       <p:sp>
         <p:nvSpPr>
-          <p:cNvPr id="3" name="Content Placeholder 2"/>
-          <p:cNvSpPr>
-            <a:spLocks noGrp="1"/>
-          </p:cNvSpPr>
-          <p:nvPr>
-            <p:ph idx="1"/>
+          <p:cNvPr id="4" name="Text Placeholder 3"/>
+          <p:cNvSpPr>
+            <a:spLocks noGrp="1"/>
+          </p:cNvSpPr>
+          <p:nvPr>
+            <p:ph idx="2" sz="half" type="body"/>
           </p:nvPr>
         </p:nvSpPr>
         <p:spPr/>
@@ -5182,8 +5187,8 @@
         </p:blipFill>
         <p:spPr bwMode="auto">
           <a:xfrm>
-            <a:off x="3124200" y="1193800"/>
-            <a:ext cx="2882900" cy="2882900"/>
+            <a:off x="4191000" y="203200"/>
+            <a:ext cx="3873500" cy="3873500"/>
           </a:xfrm>
           <a:prstGeom prst="rect">
             <a:avLst/>
@@ -5204,8 +5209,8 @@
         </p:nvSpPr>
         <p:spPr>
           <a:xfrm>
-            <a:off x="457200" y="4076700"/>
-            <a:ext cx="8229600" cy="508000"/>
+            <a:off x="3568700" y="4076700"/>
+            <a:ext cx="5105400" cy="508000"/>
           </a:xfrm>
           <a:prstGeom prst="rect">
             <a:avLst/>
@@ -5681,12 +5686,12 @@
       </p:grpSpPr>
       <p:sp>
         <p:nvSpPr>
-          <p:cNvPr id="3" name="Content Placeholder 2"/>
-          <p:cNvSpPr>
-            <a:spLocks noGrp="1"/>
-          </p:cNvSpPr>
-          <p:nvPr>
-            <p:ph idx="1"/>
+          <p:cNvPr id="4" name="Text Placeholder 3"/>
+          <p:cNvSpPr>
+            <a:spLocks noGrp="1"/>
+          </p:cNvSpPr>
+          <p:nvPr>
+            <p:ph idx="2" sz="half" type="body"/>
           </p:nvPr>
         </p:nvSpPr>
         <p:spPr/>
@@ -5720,8 +5725,8 @@
         </p:blipFill>
         <p:spPr bwMode="auto">
           <a:xfrm>
-            <a:off x="1955800" y="1193800"/>
-            <a:ext cx="5219700" cy="2882900"/>
+            <a:off x="3568700" y="736600"/>
+            <a:ext cx="5105400" cy="2819400"/>
           </a:xfrm>
           <a:prstGeom prst="rect">
             <a:avLst/>
@@ -5742,8 +5747,8 @@
         </p:nvSpPr>
         <p:spPr>
           <a:xfrm>
-            <a:off x="457200" y="4076700"/>
-            <a:ext cx="8229600" cy="508000"/>
+            <a:off x="3568700" y="4076700"/>
+            <a:ext cx="5105400" cy="508000"/>
           </a:xfrm>
           <a:prstGeom prst="rect">
             <a:avLst/>
